--- a/JavaScript/03_Nasledjivanje/JavaScript_03_Nasledjivanje.pptx
+++ b/JavaScript/03_Nasledjivanje/JavaScript_03_Nasledjivanje.pptx
@@ -3976,7 +3976,7 @@
                 <a:latin typeface="Courier New" panose="02070309020205020404" pitchFamily="49" charset="0"/>
                 <a:cs typeface="Courier New" panose="02070309020205020404" pitchFamily="49" charset="0"/>
               </a:rPr>
-              <a:t>pretstaviSe</a:t>
+              <a:t>predstaviSe</a:t>
             </a:r>
             <a:r>
               <a:rPr lang="en-GB" sz="2400" dirty="0" smtClean="0">
@@ -4977,12 +4977,8 @@
               <a:t>Šta se desi kada pozovemo </a:t>
             </a:r>
             <a:r>
-              <a:rPr lang="sr-Latn-RS" dirty="0"/>
-              <a:t>peraPeric.constructor.prototype.pretstaviSe</a:t>
-            </a:r>
-            <a:r>
               <a:rPr lang="sr-Latn-RS" dirty="0" smtClean="0"/>
-              <a:t>()?</a:t>
+              <a:t>peraPeric.constructor.prototype.predstaviSe()?</a:t>
             </a:r>
             <a:endParaRPr lang="sr-Latn-RS" dirty="0"/>
           </a:p>
@@ -5247,32 +5243,25 @@
               <a:t> </a:t>
             </a:r>
             <a:r>
-              <a:rPr lang="en-GB" sz="2400" b="1" dirty="0" smtClean="0">
-                <a:latin typeface="Courier New" panose="02070309020205020404" pitchFamily="49" charset="0"/>
-                <a:cs typeface="Courier New" panose="02070309020205020404" pitchFamily="49" charset="0"/>
-              </a:rPr>
-              <a:t>pre</a:t>
-            </a:r>
-            <a:r>
-              <a:rPr lang="sr-Latn-RS" sz="2400" b="1" dirty="0" smtClean="0">
-                <a:latin typeface="Courier New" panose="02070309020205020404" pitchFamily="49" charset="0"/>
-                <a:cs typeface="Courier New" panose="02070309020205020404" pitchFamily="49" charset="0"/>
-              </a:rPr>
-              <a:t>t</a:t>
-            </a:r>
-            <a:r>
               <a:rPr lang="en-GB" sz="2400" b="1" dirty="0" err="1" smtClean="0">
                 <a:latin typeface="Courier New" panose="02070309020205020404" pitchFamily="49" charset="0"/>
                 <a:cs typeface="Courier New" panose="02070309020205020404" pitchFamily="49" charset="0"/>
               </a:rPr>
-              <a:t>staviSe</a:t>
+              <a:t>predstaviSe</a:t>
+            </a:r>
+            <a:r>
+              <a:rPr lang="en-GB" sz="2400" dirty="0" smtClean="0">
+                <a:latin typeface="Courier New" panose="02070309020205020404" pitchFamily="49" charset="0"/>
+                <a:cs typeface="Courier New" panose="02070309020205020404" pitchFamily="49" charset="0"/>
+              </a:rPr>
+              <a:t>: </a:t>
             </a:r>
             <a:r>
               <a:rPr lang="en-GB" sz="2400" dirty="0">
                 <a:latin typeface="Courier New" panose="02070309020205020404" pitchFamily="49" charset="0"/>
                 <a:cs typeface="Courier New" panose="02070309020205020404" pitchFamily="49" charset="0"/>
               </a:rPr>
-              <a:t>: function() </a:t>
+              <a:t>function() </a:t>
             </a:r>
             <a:r>
               <a:rPr lang="en-GB" sz="2400" dirty="0" smtClean="0">
@@ -7242,21 +7231,7 @@
                 <a:latin typeface="Courier New" panose="02070309020205020404" pitchFamily="49" charset="0"/>
                 <a:cs typeface="Courier New" panose="02070309020205020404" pitchFamily="49" charset="0"/>
               </a:rPr>
-              <a:t>that.pre</a:t>
-            </a:r>
-            <a:r>
-              <a:rPr lang="sr-Latn-RS" sz="2000" b="1" dirty="0" smtClean="0">
-                <a:latin typeface="Courier New" panose="02070309020205020404" pitchFamily="49" charset="0"/>
-                <a:cs typeface="Courier New" panose="02070309020205020404" pitchFamily="49" charset="0"/>
-              </a:rPr>
-              <a:t>t</a:t>
-            </a:r>
-            <a:r>
-              <a:rPr lang="en-GB" sz="2000" b="1" dirty="0" err="1" smtClean="0">
-                <a:latin typeface="Courier New" panose="02070309020205020404" pitchFamily="49" charset="0"/>
-                <a:cs typeface="Courier New" panose="02070309020205020404" pitchFamily="49" charset="0"/>
-              </a:rPr>
-              <a:t>staviSe</a:t>
+              <a:t>that.predstaviSe</a:t>
             </a:r>
             <a:r>
               <a:rPr lang="en-GB" sz="2000" dirty="0" smtClean="0">
@@ -8407,7 +8382,7 @@
                 <a:latin typeface="Courier New" panose="02070309020205020404" pitchFamily="49" charset="0"/>
                 <a:cs typeface="Courier New" panose="02070309020205020404" pitchFamily="49" charset="0"/>
               </a:rPr>
-              <a:t>pretstaviSe</a:t>
+              <a:t>predstaviSe</a:t>
             </a:r>
             <a:r>
               <a:rPr lang="en-GB" dirty="0" smtClean="0">
@@ -8424,14 +8399,14 @@
               <a:t>= </a:t>
             </a:r>
             <a:r>
-              <a:rPr lang="en-GB" dirty="0" err="1">
-                <a:latin typeface="Courier New" panose="02070309020205020404" pitchFamily="49" charset="0"/>
-                <a:cs typeface="Courier New" panose="02070309020205020404" pitchFamily="49" charset="0"/>
-              </a:rPr>
-              <a:t>that.pretstaviSe</a:t>
-            </a:r>
-            <a:r>
-              <a:rPr lang="en-GB" dirty="0">
+              <a:rPr lang="en-GB" dirty="0" err="1" smtClean="0">
+                <a:latin typeface="Courier New" panose="02070309020205020404" pitchFamily="49" charset="0"/>
+                <a:cs typeface="Courier New" panose="02070309020205020404" pitchFamily="49" charset="0"/>
+              </a:rPr>
+              <a:t>that.predstaviSe</a:t>
+            </a:r>
+            <a:r>
+              <a:rPr lang="en-GB" dirty="0" smtClean="0">
                 <a:latin typeface="Courier New" panose="02070309020205020404" pitchFamily="49" charset="0"/>
                 <a:cs typeface="Courier New" panose="02070309020205020404" pitchFamily="49" charset="0"/>
               </a:rPr>
@@ -9268,58 +9243,72 @@
               <a:buNone/>
             </a:pPr>
             <a:r>
+              <a:rPr lang="en-GB" sz="1100" dirty="0" err="1" smtClean="0">
+                <a:latin typeface="Courier New" panose="02070309020205020404" pitchFamily="49" charset="0"/>
+                <a:cs typeface="Courier New" panose="02070309020205020404" pitchFamily="49" charset="0"/>
+              </a:rPr>
+              <a:t>that.predstaviSe</a:t>
+            </a:r>
+            <a:r>
+              <a:rPr lang="en-GB" sz="1100" dirty="0" smtClean="0">
+                <a:latin typeface="Courier New" panose="02070309020205020404" pitchFamily="49" charset="0"/>
+                <a:cs typeface="Courier New" panose="02070309020205020404" pitchFamily="49" charset="0"/>
+              </a:rPr>
+              <a:t> </a:t>
+            </a:r>
+            <a:r>
+              <a:rPr lang="en-GB" sz="1100" dirty="0">
+                <a:latin typeface="Courier New" panose="02070309020205020404" pitchFamily="49" charset="0"/>
+                <a:cs typeface="Courier New" panose="02070309020205020404" pitchFamily="49" charset="0"/>
+              </a:rPr>
+              <a:t>= function () {</a:t>
+            </a:r>
+          </a:p>
+          <a:p>
+            <a:pPr marL="0" indent="0">
+              <a:buNone/>
+            </a:pPr>
+            <a:r>
+              <a:rPr lang="en-GB" sz="1100" dirty="0">
+                <a:latin typeface="Courier New" panose="02070309020205020404" pitchFamily="49" charset="0"/>
+                <a:cs typeface="Courier New" panose="02070309020205020404" pitchFamily="49" charset="0"/>
+              </a:rPr>
+              <a:t>      return  </a:t>
+            </a:r>
+            <a:r>
               <a:rPr lang="en-GB" sz="1100" dirty="0" err="1">
                 <a:latin typeface="Courier New" panose="02070309020205020404" pitchFamily="49" charset="0"/>
                 <a:cs typeface="Courier New" panose="02070309020205020404" pitchFamily="49" charset="0"/>
               </a:rPr>
-              <a:t>that.pretstaviSe</a:t>
+              <a:t>that.super</a:t>
+            </a:r>
+            <a:r>
+              <a:rPr lang="sr-Latn-RS" sz="1100" dirty="0" smtClean="0">
+                <a:latin typeface="Courier New" panose="02070309020205020404" pitchFamily="49" charset="0"/>
+                <a:cs typeface="Courier New" panose="02070309020205020404" pitchFamily="49" charset="0"/>
+              </a:rPr>
+              <a:t>_</a:t>
+            </a:r>
+            <a:r>
+              <a:rPr lang="en-GB" sz="1100" dirty="0" err="1" smtClean="0">
+                <a:latin typeface="Courier New" panose="02070309020205020404" pitchFamily="49" charset="0"/>
+                <a:cs typeface="Courier New" panose="02070309020205020404" pitchFamily="49" charset="0"/>
+              </a:rPr>
+              <a:t>predstaviSe</a:t>
+            </a:r>
+            <a:r>
+              <a:rPr lang="en-GB" sz="1100" dirty="0" smtClean="0">
+                <a:latin typeface="Courier New" panose="02070309020205020404" pitchFamily="49" charset="0"/>
+                <a:cs typeface="Courier New" panose="02070309020205020404" pitchFamily="49" charset="0"/>
+              </a:rPr>
+              <a:t>() </a:t>
             </a:r>
             <a:r>
               <a:rPr lang="en-GB" sz="1100" dirty="0">
                 <a:latin typeface="Courier New" panose="02070309020205020404" pitchFamily="49" charset="0"/>
                 <a:cs typeface="Courier New" panose="02070309020205020404" pitchFamily="49" charset="0"/>
               </a:rPr>
-              <a:t> = function () {</a:t>
-            </a:r>
-          </a:p>
-          <a:p>
-            <a:pPr marL="0" indent="0">
-              <a:buNone/>
-            </a:pPr>
-            <a:r>
-              <a:rPr lang="en-GB" sz="1100" dirty="0">
-                <a:latin typeface="Courier New" panose="02070309020205020404" pitchFamily="49" charset="0"/>
-                <a:cs typeface="Courier New" panose="02070309020205020404" pitchFamily="49" charset="0"/>
-              </a:rPr>
-              <a:t>      return  </a:t>
-            </a:r>
-            <a:r>
-              <a:rPr lang="en-GB" sz="1100" dirty="0" err="1">
-                <a:latin typeface="Courier New" panose="02070309020205020404" pitchFamily="49" charset="0"/>
-                <a:cs typeface="Courier New" panose="02070309020205020404" pitchFamily="49" charset="0"/>
-              </a:rPr>
-              <a:t>that.super</a:t>
-            </a:r>
-            <a:r>
-              <a:rPr lang="sr-Latn-RS" sz="1100" dirty="0">
-                <a:latin typeface="Courier New" panose="02070309020205020404" pitchFamily="49" charset="0"/>
-                <a:cs typeface="Courier New" panose="02070309020205020404" pitchFamily="49" charset="0"/>
-              </a:rPr>
-              <a:t>_</a:t>
-            </a:r>
-            <a:r>
-              <a:rPr lang="en-GB" sz="1100" dirty="0" err="1">
-                <a:latin typeface="Courier New" panose="02070309020205020404" pitchFamily="49" charset="0"/>
-                <a:cs typeface="Courier New" panose="02070309020205020404" pitchFamily="49" charset="0"/>
-              </a:rPr>
-              <a:t>pretstaviSe</a:t>
-            </a:r>
-            <a:r>
-              <a:rPr lang="en-GB" sz="1100" dirty="0">
-                <a:latin typeface="Courier New" panose="02070309020205020404" pitchFamily="49" charset="0"/>
-                <a:cs typeface="Courier New" panose="02070309020205020404" pitchFamily="49" charset="0"/>
-              </a:rPr>
-              <a:t>() + " </a:t>
+              <a:t>+ " </a:t>
             </a:r>
             <a:r>
               <a:rPr lang="en-GB" sz="1100" dirty="0" err="1">
@@ -11813,11 +11802,7 @@
             <a:pPr lvl="1"/>
             <a:r>
               <a:rPr lang="sr-Latn-RS" dirty="0" smtClean="0"/>
-              <a:t>Nije važno </a:t>
-            </a:r>
-            <a:r>
-              <a:rPr lang="sr-Latn-RS" dirty="0" smtClean="0"/>
-              <a:t>kog</a:t>
+              <a:t>Nije važno kog</a:t>
             </a:r>
             <a:r>
               <a:rPr lang="en-GB" dirty="0" smtClean="0"/>
@@ -11825,11 +11810,7 @@
             </a:r>
             <a:r>
               <a:rPr lang="sr-Latn-RS" smtClean="0"/>
-              <a:t>tipa</a:t>
-            </a:r>
-            <a:r>
-              <a:rPr lang="sr-Latn-RS" smtClean="0"/>
-              <a:t> </a:t>
+              <a:t>tipa </a:t>
             </a:r>
             <a:r>
               <a:rPr lang="sr-Latn-RS" dirty="0" smtClean="0"/>
@@ -12920,7 +12901,7 @@
                 <a:latin typeface="Courier New" panose="02070309020205020404" pitchFamily="49" charset="0"/>
                 <a:cs typeface="Courier New" panose="02070309020205020404" pitchFamily="49" charset="0"/>
               </a:rPr>
-              <a:t>Osoba.prototype.pretstaviSe</a:t>
+              <a:t>Osoba.prototype.predstaviSe</a:t>
             </a:r>
             <a:r>
               <a:rPr lang="en-GB" sz="2800" dirty="0" smtClean="0">
@@ -13342,7 +13323,7 @@
                 <a:latin typeface="Courier New" panose="02070309020205020404" pitchFamily="49" charset="0"/>
                 <a:cs typeface="Courier New" panose="02070309020205020404" pitchFamily="49" charset="0"/>
               </a:rPr>
-              <a:t>markoMarkovic.pretstaviSe</a:t>
+              <a:t>markoMarkovic.predstaviSe</a:t>
             </a:r>
             <a:r>
               <a:rPr lang="en-GB" sz="2400" dirty="0" smtClean="0">
